--- a/JAVA PPT/Day17 polymorphism.pptx
+++ b/JAVA PPT/Day17 polymorphism.pptx
@@ -252,6 +252,22 @@
       </a:defRPr>
     </a:lvl9pPr>
   </p:defaultTextStyle>
+  <p:extLst>
+    <p:ext uri="{EFAFB233-063F-42B5-8137-9DF3F51BA10A}">
+      <p15:sldGuideLst xmlns:p15="http://schemas.microsoft.com/office/powerpoint/2012/main">
+        <p15:guide id="1" orient="horz" pos="1620" userDrawn="1">
+          <p15:clr>
+            <a:srgbClr val="A4A3A4"/>
+          </p15:clr>
+        </p15:guide>
+        <p15:guide id="2" pos="2876" userDrawn="1">
+          <p15:clr>
+            <a:srgbClr val="A4A3A4"/>
+          </p15:clr>
+        </p15:guide>
+      </p15:sldGuideLst>
+    </p:ext>
+  </p:extLst>
 </p:presentation>
 </file>
 
@@ -10827,23 +10843,27 @@
       </p:sp>
       <p:pic>
         <p:nvPicPr>
-          <p:cNvPr id="2" name="Picture 1" descr="ms-1"/>
+          <p:cNvPr id="5" name="Picture 4"/>
           <p:cNvPicPr>
             <a:picLocks noChangeAspect="1"/>
           </p:cNvPicPr>
-          <p:nvPr/>
+          <p:nvPr>
+            <p:custDataLst>
+              <p:tags r:id="rId1"/>
+            </p:custDataLst>
+          </p:nvPr>
         </p:nvPicPr>
         <p:blipFill>
-          <a:blip r:embed="rId1"/>
-          <a:srcRect l="6759" t="6889" r="6806" b="6840"/>
+          <a:blip r:embed="rId2"/>
+          <a:srcRect l="4200" t="6689" r="3626" b="7317"/>
           <a:stretch>
             <a:fillRect/>
           </a:stretch>
         </p:blipFill>
         <p:spPr>
           <a:xfrm>
-            <a:off x="3697605" y="1088390"/>
-            <a:ext cx="5038725" cy="3446780"/>
+            <a:off x="4018280" y="1112520"/>
+            <a:ext cx="4833620" cy="3285490"/>
           </a:xfrm>
           <a:prstGeom prst="rect">
             <a:avLst/>
@@ -10852,844 +10872,27 @@
       </p:pic>
       <p:pic>
         <p:nvPicPr>
-          <p:cNvPr id="3" name="Picture 2" descr="ms-2"/>
+          <p:cNvPr id="6" name="Picture 5"/>
           <p:cNvPicPr>
             <a:picLocks noChangeAspect="1"/>
           </p:cNvPicPr>
-          <p:nvPr/>
+          <p:nvPr>
+            <p:custDataLst>
+              <p:tags r:id="rId3"/>
+            </p:custDataLst>
+          </p:nvPr>
         </p:nvPicPr>
         <p:blipFill>
-          <a:blip r:embed="rId2"/>
-          <a:srcRect l="15841" t="19293" r="16791" b="19167"/>
+          <a:blip r:embed="rId4"/>
+          <a:srcRect l="13819" t="16258" r="14677" b="15295"/>
           <a:stretch>
             <a:fillRect/>
           </a:stretch>
         </p:blipFill>
         <p:spPr>
           <a:xfrm>
-            <a:off x="1131570" y="2047240"/>
-            <a:ext cx="2297430" cy="1234440"/>
-          </a:xfrm>
-          <a:prstGeom prst="rect">
-            <a:avLst/>
-          </a:prstGeom>
-        </p:spPr>
-      </p:pic>
-    </p:spTree>
-  </p:cSld>
-  <p:clrMapOvr>
-    <a:masterClrMapping/>
-  </p:clrMapOvr>
-  <p:timing>
-    <p:tnLst>
-      <p:par>
-        <p:cTn id="1" dur="indefinite" restart="never" nodeType="tmRoot">
-          <p:childTnLst>
-            <p:seq concurrent="1" nextAc="seek">
-              <p:cTn id="2" dur="indefinite" nodeType="mainSeq">
-                <p:childTnLst>
-                  <p:par>
-                    <p:cTn id="3" fill="hold">
-                      <p:stCondLst>
-                        <p:cond delay="indefinite"/>
-                      </p:stCondLst>
-                      <p:childTnLst>
-                        <p:par>
-                          <p:cTn id="4" fill="hold">
-                            <p:stCondLst>
-                              <p:cond delay="0"/>
-                            </p:stCondLst>
-                            <p:childTnLst>
-                              <p:par>
-                                <p:cTn id="5" presetID="10" presetClass="entr" presetSubtype="0" fill="hold" nodeType="clickEffect">
-                                  <p:stCondLst>
-                                    <p:cond delay="0"/>
-                                  </p:stCondLst>
-                                  <p:iterate type="lt">
-                                    <p:tmPct val="10000"/>
-                                  </p:iterate>
-                                  <p:childTnLst>
-                                    <p:set>
-                                      <p:cBhvr>
-                                        <p:cTn id="6" dur="1" fill="hold">
-                                          <p:stCondLst>
-                                            <p:cond delay="0"/>
-                                          </p:stCondLst>
-                                        </p:cTn>
-                                        <p:tgtEl>
-                                          <p:spTgt spid="9">
-                                            <p:txEl>
-                                              <p:pRg st="0" end="0"/>
-                                            </p:txEl>
-                                          </p:spTgt>
-                                        </p:tgtEl>
-                                        <p:attrNameLst>
-                                          <p:attrName>style.visibility</p:attrName>
-                                        </p:attrNameLst>
-                                      </p:cBhvr>
-                                      <p:to>
-                                        <p:strVal val="visible"/>
-                                      </p:to>
-                                    </p:set>
-                                    <p:animEffect transition="in" filter="fade">
-                                      <p:cBhvr>
-                                        <p:cTn id="7" dur="500"/>
-                                        <p:tgtEl>
-                                          <p:spTgt spid="9">
-                                            <p:txEl>
-                                              <p:pRg st="0" end="0"/>
-                                            </p:txEl>
-                                          </p:spTgt>
-                                        </p:tgtEl>
-                                      </p:cBhvr>
-                                    </p:animEffect>
-                                  </p:childTnLst>
-                                </p:cTn>
-                              </p:par>
-                            </p:childTnLst>
-                          </p:cTn>
-                        </p:par>
-                        <p:par>
-                          <p:cTn id="8" fill="hold">
-                            <p:stCondLst>
-                              <p:cond delay="1899"/>
-                            </p:stCondLst>
-                            <p:childTnLst>
-                              <p:par>
-                                <p:cTn id="9" presetID="10" presetClass="entr" presetSubtype="0" fill="hold" nodeType="afterEffect">
-                                  <p:stCondLst>
-                                    <p:cond delay="0"/>
-                                  </p:stCondLst>
-                                  <p:childTnLst>
-                                    <p:set>
-                                      <p:cBhvr>
-                                        <p:cTn id="10" dur="1" fill="hold">
-                                          <p:stCondLst>
-                                            <p:cond delay="0"/>
-                                          </p:stCondLst>
-                                        </p:cTn>
-                                        <p:tgtEl>
-                                          <p:spTgt spid="2"/>
-                                        </p:tgtEl>
-                                        <p:attrNameLst>
-                                          <p:attrName>style.visibility</p:attrName>
-                                        </p:attrNameLst>
-                                      </p:cBhvr>
-                                      <p:to>
-                                        <p:strVal val="visible"/>
-                                      </p:to>
-                                    </p:set>
-                                    <p:animEffect transition="in" filter="fade">
-                                      <p:cBhvr>
-                                        <p:cTn id="11" dur="500"/>
-                                        <p:tgtEl>
-                                          <p:spTgt spid="2"/>
-                                        </p:tgtEl>
-                                      </p:cBhvr>
-                                    </p:animEffect>
-                                  </p:childTnLst>
-                                </p:cTn>
-                              </p:par>
-                            </p:childTnLst>
-                          </p:cTn>
-                        </p:par>
-                        <p:par>
-                          <p:cTn id="12" fill="hold">
-                            <p:stCondLst>
-                              <p:cond delay="2399"/>
-                            </p:stCondLst>
-                            <p:childTnLst>
-                              <p:par>
-                                <p:cTn id="13" presetID="10" presetClass="entr" presetSubtype="0" fill="hold" nodeType="afterEffect">
-                                  <p:stCondLst>
-                                    <p:cond delay="0"/>
-                                  </p:stCondLst>
-                                  <p:childTnLst>
-                                    <p:set>
-                                      <p:cBhvr>
-                                        <p:cTn id="14" dur="1" fill="hold">
-                                          <p:stCondLst>
-                                            <p:cond delay="0"/>
-                                          </p:stCondLst>
-                                        </p:cTn>
-                                        <p:tgtEl>
-                                          <p:spTgt spid="3"/>
-                                        </p:tgtEl>
-                                        <p:attrNameLst>
-                                          <p:attrName>style.visibility</p:attrName>
-                                        </p:attrNameLst>
-                                      </p:cBhvr>
-                                      <p:to>
-                                        <p:strVal val="visible"/>
-                                      </p:to>
-                                    </p:set>
-                                    <p:animEffect transition="in" filter="fade">
-                                      <p:cBhvr>
-                                        <p:cTn id="15" dur="500"/>
-                                        <p:tgtEl>
-                                          <p:spTgt spid="3"/>
-                                        </p:tgtEl>
-                                      </p:cBhvr>
-                                    </p:animEffect>
-                                  </p:childTnLst>
-                                </p:cTn>
-                              </p:par>
-                            </p:childTnLst>
-                          </p:cTn>
-                        </p:par>
-                      </p:childTnLst>
-                    </p:cTn>
-                  </p:par>
-                </p:childTnLst>
-              </p:cTn>
-              <p:prevCondLst>
-                <p:cond evt="onPrev" delay="0">
-                  <p:tgtEl>
-                    <p:sldTgt/>
-                  </p:tgtEl>
-                </p:cond>
-              </p:prevCondLst>
-              <p:nextCondLst>
-                <p:cond evt="onNext" delay="0">
-                  <p:tgtEl>
-                    <p:sldTgt/>
-                  </p:tgtEl>
-                </p:cond>
-              </p:nextCondLst>
-            </p:seq>
-          </p:childTnLst>
-        </p:cTn>
-      </p:par>
-    </p:tnLst>
-  </p:timing>
-</p:sld>
-</file>
-
-<file path=ppt/slides/slide11.xml><?xml version="1.0" encoding="utf-8"?>
-<p:sld xmlns:a="http://schemas.openxmlformats.org/drawingml/2006/main" xmlns:r="http://schemas.openxmlformats.org/officeDocument/2006/relationships" xmlns:p="http://schemas.openxmlformats.org/presentationml/2006/main">
-  <p:cSld>
-    <p:spTree>
-      <p:nvGrpSpPr>
-        <p:cNvPr id="1" name="Shape 457"/>
-        <p:cNvGrpSpPr/>
-        <p:nvPr/>
-      </p:nvGrpSpPr>
-      <p:grpSpPr>
-        <a:xfrm>
-          <a:off x="0" y="0"/>
-          <a:ext cx="0" cy="0"/>
-          <a:chOff x="0" y="0"/>
-          <a:chExt cx="0" cy="0"/>
-        </a:xfrm>
-      </p:grpSpPr>
-      <p:sp>
-        <p:nvSpPr>
-          <p:cNvPr id="460" name="Google Shape;460;p27"/>
-          <p:cNvSpPr txBox="1">
-            <a:spLocks noGrp="1"/>
-          </p:cNvSpPr>
-          <p:nvPr>
-            <p:ph type="subTitle" idx="1"/>
-          </p:nvPr>
-        </p:nvSpPr>
-        <p:spPr>
-          <a:xfrm>
-            <a:off x="660595" y="4694725"/>
-            <a:ext cx="4865100" cy="357300"/>
-          </a:xfrm>
-          <a:prstGeom prst="rect">
-            <a:avLst/>
-          </a:prstGeom>
-        </p:spPr>
-        <p:txBody>
-          <a:bodyPr spcFirstLastPara="1" wrap="square" lIns="91425" tIns="91425" rIns="91425" bIns="91425" anchor="ctr" anchorCtr="0">
-            <a:noAutofit/>
-          </a:bodyPr>
-          <a:lstStyle/>
-          <a:p>
-            <a:pPr marL="0" lvl="0" indent="0" algn="l" rtl="0">
-              <a:spcBef>
-                <a:spcPts val="0"/>
-              </a:spcBef>
-              <a:spcAft>
-                <a:spcPts val="0"/>
-              </a:spcAft>
-              <a:buNone/>
-            </a:pPr>
-            <a:r>
-              <a:rPr lang="en-GB" sz="1400" dirty="0">
-                <a:solidFill>
-                  <a:schemeClr val="accent3"/>
-                </a:solidFill>
-              </a:rPr>
-              <a:t>JAVA Programming</a:t>
-            </a:r>
-            <a:endParaRPr sz="1400" dirty="0">
-              <a:solidFill>
-                <a:schemeClr val="accent3"/>
-              </a:solidFill>
-            </a:endParaRPr>
-          </a:p>
-        </p:txBody>
-      </p:sp>
-      <p:sp>
-        <p:nvSpPr>
-          <p:cNvPr id="465" name="Google Shape;465;p27"/>
-          <p:cNvSpPr txBox="1">
-            <a:spLocks noGrp="1"/>
-          </p:cNvSpPr>
-          <p:nvPr>
-            <p:ph type="subTitle" idx="1"/>
-          </p:nvPr>
-        </p:nvSpPr>
-        <p:spPr>
-          <a:xfrm>
-            <a:off x="-5975" y="91525"/>
-            <a:ext cx="4572000" cy="357300"/>
-          </a:xfrm>
-          <a:prstGeom prst="rect">
-            <a:avLst/>
-          </a:prstGeom>
-        </p:spPr>
-        <p:txBody>
-          <a:bodyPr spcFirstLastPara="1" wrap="square" lIns="91425" tIns="91425" rIns="91425" bIns="91425" anchor="ctr" anchorCtr="0">
-            <a:noAutofit/>
-          </a:bodyPr>
-          <a:lstStyle/>
-          <a:p>
-            <a:pPr marL="0" lvl="0" indent="0" algn="ctr" rtl="0">
-              <a:spcBef>
-                <a:spcPts val="0"/>
-              </a:spcBef>
-              <a:spcAft>
-                <a:spcPts val="0"/>
-              </a:spcAft>
-              <a:buNone/>
-            </a:pPr>
-            <a:r>
-              <a:rPr lang="en-GB" sz="1400" dirty="0"/>
-              <a:t>Hiveed</a:t>
-            </a:r>
-            <a:r>
-              <a:rPr lang="en-GB" sz="1400" dirty="0">
-                <a:solidFill>
-                  <a:schemeClr val="accent3"/>
-                </a:solidFill>
-              </a:rPr>
-              <a:t>.</a:t>
-            </a:r>
-            <a:r>
-              <a:rPr lang="en-GB" sz="1400" dirty="0"/>
-              <a:t>java</a:t>
-            </a:r>
-            <a:endParaRPr sz="1400" dirty="0">
-              <a:solidFill>
-                <a:schemeClr val="accent3"/>
-              </a:solidFill>
-            </a:endParaRPr>
-          </a:p>
-        </p:txBody>
-      </p:sp>
-      <p:sp>
-        <p:nvSpPr>
-          <p:cNvPr id="9" name="Text Box 8"/>
-          <p:cNvSpPr txBox="1"/>
-          <p:nvPr/>
-        </p:nvSpPr>
-        <p:spPr>
-          <a:xfrm>
-            <a:off x="1160145" y="626745"/>
-            <a:ext cx="7033895" cy="398780"/>
-          </a:xfrm>
-          <a:prstGeom prst="rect">
-            <a:avLst/>
-          </a:prstGeom>
-          <a:noFill/>
-        </p:spPr>
-        <p:txBody>
-          <a:bodyPr wrap="square" rtlCol="0">
-            <a:spAutoFit/>
-          </a:bodyPr>
-          <a:p>
-            <a:r>
-              <a:rPr lang="en-US" sz="2000">
-                <a:solidFill>
-                  <a:srgbClr val="FF0000"/>
-                </a:solidFill>
-                <a:latin typeface="firacode" charset="0"/>
-                <a:cs typeface="firacode" charset="0"/>
-              </a:rPr>
-              <a:t>Example of Variable Shadowing :</a:t>
-            </a:r>
-            <a:endParaRPr lang="en-US" sz="2000">
-              <a:solidFill>
-                <a:srgbClr val="FF0000"/>
-              </a:solidFill>
-              <a:latin typeface="firacode" charset="0"/>
-              <a:cs typeface="firacode" charset="0"/>
-            </a:endParaRPr>
-          </a:p>
-        </p:txBody>
-      </p:sp>
-      <p:pic>
-        <p:nvPicPr>
-          <p:cNvPr id="4" name="Picture 3" descr="Vs-1"/>
-          <p:cNvPicPr>
-            <a:picLocks noChangeAspect="1"/>
-          </p:cNvPicPr>
-          <p:nvPr/>
-        </p:nvPicPr>
-        <p:blipFill>
-          <a:blip r:embed="rId1"/>
-          <a:srcRect l="6875" t="10358" r="7388" b="10123"/>
-          <a:stretch>
-            <a:fillRect/>
-          </a:stretch>
-        </p:blipFill>
-        <p:spPr>
-          <a:xfrm>
-            <a:off x="4203700" y="1118235"/>
-            <a:ext cx="4675505" cy="3376930"/>
-          </a:xfrm>
-          <a:prstGeom prst="rect">
-            <a:avLst/>
-          </a:prstGeom>
-        </p:spPr>
-      </p:pic>
-      <p:pic>
-        <p:nvPicPr>
-          <p:cNvPr id="5" name="Picture 4" descr="Vs-2"/>
-          <p:cNvPicPr>
-            <a:picLocks noChangeAspect="1"/>
-          </p:cNvPicPr>
-          <p:nvPr/>
-        </p:nvPicPr>
-        <p:blipFill>
-          <a:blip r:embed="rId2"/>
-          <a:srcRect l="16542" t="21434" r="17305" b="21394"/>
-          <a:stretch>
-            <a:fillRect/>
-          </a:stretch>
-        </p:blipFill>
-        <p:spPr>
-          <a:xfrm>
-            <a:off x="1409700" y="2066290"/>
-            <a:ext cx="2418080" cy="1119505"/>
-          </a:xfrm>
-          <a:prstGeom prst="rect">
-            <a:avLst/>
-          </a:prstGeom>
-        </p:spPr>
-      </p:pic>
-    </p:spTree>
-  </p:cSld>
-  <p:clrMapOvr>
-    <a:masterClrMapping/>
-  </p:clrMapOvr>
-  <p:timing>
-    <p:tnLst>
-      <p:par>
-        <p:cTn id="1" dur="indefinite" restart="never" nodeType="tmRoot">
-          <p:childTnLst>
-            <p:seq concurrent="1" nextAc="seek">
-              <p:cTn id="2" dur="indefinite" nodeType="mainSeq">
-                <p:childTnLst>
-                  <p:par>
-                    <p:cTn id="3" fill="hold">
-                      <p:stCondLst>
-                        <p:cond delay="indefinite"/>
-                      </p:stCondLst>
-                      <p:childTnLst>
-                        <p:par>
-                          <p:cTn id="4" fill="hold">
-                            <p:stCondLst>
-                              <p:cond delay="0"/>
-                            </p:stCondLst>
-                            <p:childTnLst>
-                              <p:par>
-                                <p:cTn id="5" presetID="10" presetClass="entr" presetSubtype="0" fill="hold" nodeType="clickEffect">
-                                  <p:stCondLst>
-                                    <p:cond delay="0"/>
-                                  </p:stCondLst>
-                                  <p:iterate type="lt">
-                                    <p:tmPct val="10000"/>
-                                  </p:iterate>
-                                  <p:childTnLst>
-                                    <p:set>
-                                      <p:cBhvr>
-                                        <p:cTn id="6" dur="1" fill="hold">
-                                          <p:stCondLst>
-                                            <p:cond delay="0"/>
-                                          </p:stCondLst>
-                                        </p:cTn>
-                                        <p:tgtEl>
-                                          <p:spTgt spid="9">
-                                            <p:txEl>
-                                              <p:pRg st="0" end="0"/>
-                                            </p:txEl>
-                                          </p:spTgt>
-                                        </p:tgtEl>
-                                        <p:attrNameLst>
-                                          <p:attrName>style.visibility</p:attrName>
-                                        </p:attrNameLst>
-                                      </p:cBhvr>
-                                      <p:to>
-                                        <p:strVal val="visible"/>
-                                      </p:to>
-                                    </p:set>
-                                    <p:animEffect transition="in" filter="fade">
-                                      <p:cBhvr>
-                                        <p:cTn id="7" dur="500"/>
-                                        <p:tgtEl>
-                                          <p:spTgt spid="9">
-                                            <p:txEl>
-                                              <p:pRg st="0" end="0"/>
-                                            </p:txEl>
-                                          </p:spTgt>
-                                        </p:tgtEl>
-                                      </p:cBhvr>
-                                    </p:animEffect>
-                                  </p:childTnLst>
-                                </p:cTn>
-                              </p:par>
-                            </p:childTnLst>
-                          </p:cTn>
-                        </p:par>
-                        <p:par>
-                          <p:cTn id="8" fill="hold">
-                            <p:stCondLst>
-                              <p:cond delay="2000"/>
-                            </p:stCondLst>
-                            <p:childTnLst>
-                              <p:par>
-                                <p:cTn id="9" presetID="10" presetClass="entr" presetSubtype="0" fill="hold" nodeType="afterEffect">
-                                  <p:stCondLst>
-                                    <p:cond delay="0"/>
-                                  </p:stCondLst>
-                                  <p:childTnLst>
-                                    <p:set>
-                                      <p:cBhvr>
-                                        <p:cTn id="10" dur="1" fill="hold">
-                                          <p:stCondLst>
-                                            <p:cond delay="0"/>
-                                          </p:stCondLst>
-                                        </p:cTn>
-                                        <p:tgtEl>
-                                          <p:spTgt spid="4"/>
-                                        </p:tgtEl>
-                                        <p:attrNameLst>
-                                          <p:attrName>style.visibility</p:attrName>
-                                        </p:attrNameLst>
-                                      </p:cBhvr>
-                                      <p:to>
-                                        <p:strVal val="visible"/>
-                                      </p:to>
-                                    </p:set>
-                                    <p:animEffect transition="in" filter="fade">
-                                      <p:cBhvr>
-                                        <p:cTn id="11" dur="500"/>
-                                        <p:tgtEl>
-                                          <p:spTgt spid="4"/>
-                                        </p:tgtEl>
-                                      </p:cBhvr>
-                                    </p:animEffect>
-                                  </p:childTnLst>
-                                </p:cTn>
-                              </p:par>
-                            </p:childTnLst>
-                          </p:cTn>
-                        </p:par>
-                      </p:childTnLst>
-                    </p:cTn>
-                  </p:par>
-                  <p:par>
-                    <p:cTn id="12" fill="hold">
-                      <p:stCondLst>
-                        <p:cond delay="indefinite"/>
-                      </p:stCondLst>
-                      <p:childTnLst>
-                        <p:par>
-                          <p:cTn id="13" fill="hold">
-                            <p:stCondLst>
-                              <p:cond delay="0"/>
-                            </p:stCondLst>
-                            <p:childTnLst>
-                              <p:par>
-                                <p:cTn id="14" presetID="10" presetClass="entr" presetSubtype="0" fill="hold" nodeType="clickEffect">
-                                  <p:stCondLst>
-                                    <p:cond delay="0"/>
-                                  </p:stCondLst>
-                                  <p:childTnLst>
-                                    <p:set>
-                                      <p:cBhvr>
-                                        <p:cTn id="15" dur="1" fill="hold">
-                                          <p:stCondLst>
-                                            <p:cond delay="0"/>
-                                          </p:stCondLst>
-                                        </p:cTn>
-                                        <p:tgtEl>
-                                          <p:spTgt spid="5"/>
-                                        </p:tgtEl>
-                                        <p:attrNameLst>
-                                          <p:attrName>style.visibility</p:attrName>
-                                        </p:attrNameLst>
-                                      </p:cBhvr>
-                                      <p:to>
-                                        <p:strVal val="visible"/>
-                                      </p:to>
-                                    </p:set>
-                                    <p:animEffect transition="in" filter="fade">
-                                      <p:cBhvr>
-                                        <p:cTn id="16" dur="500"/>
-                                        <p:tgtEl>
-                                          <p:spTgt spid="5"/>
-                                        </p:tgtEl>
-                                      </p:cBhvr>
-                                    </p:animEffect>
-                                  </p:childTnLst>
-                                </p:cTn>
-                              </p:par>
-                            </p:childTnLst>
-                          </p:cTn>
-                        </p:par>
-                      </p:childTnLst>
-                    </p:cTn>
-                  </p:par>
-                </p:childTnLst>
-              </p:cTn>
-              <p:prevCondLst>
-                <p:cond evt="onPrev" delay="0">
-                  <p:tgtEl>
-                    <p:sldTgt/>
-                  </p:tgtEl>
-                </p:cond>
-              </p:prevCondLst>
-              <p:nextCondLst>
-                <p:cond evt="onNext" delay="0">
-                  <p:tgtEl>
-                    <p:sldTgt/>
-                  </p:tgtEl>
-                </p:cond>
-              </p:nextCondLst>
-            </p:seq>
-          </p:childTnLst>
-        </p:cTn>
-      </p:par>
-    </p:tnLst>
-  </p:timing>
-</p:sld>
-</file>
-
-<file path=ppt/slides/slide12.xml><?xml version="1.0" encoding="utf-8"?>
-<p:sld xmlns:a="http://schemas.openxmlformats.org/drawingml/2006/main" xmlns:r="http://schemas.openxmlformats.org/officeDocument/2006/relationships" xmlns:p="http://schemas.openxmlformats.org/presentationml/2006/main">
-  <p:cSld>
-    <p:spTree>
-      <p:nvGrpSpPr>
-        <p:cNvPr id="1" name="Shape 457"/>
-        <p:cNvGrpSpPr/>
-        <p:nvPr/>
-      </p:nvGrpSpPr>
-      <p:grpSpPr>
-        <a:xfrm>
-          <a:off x="0" y="0"/>
-          <a:ext cx="0" cy="0"/>
-          <a:chOff x="0" y="0"/>
-          <a:chExt cx="0" cy="0"/>
-        </a:xfrm>
-      </p:grpSpPr>
-      <p:sp>
-        <p:nvSpPr>
-          <p:cNvPr id="460" name="Google Shape;460;p27"/>
-          <p:cNvSpPr txBox="1">
-            <a:spLocks noGrp="1"/>
-          </p:cNvSpPr>
-          <p:nvPr>
-            <p:ph type="subTitle" idx="1"/>
-          </p:nvPr>
-        </p:nvSpPr>
-        <p:spPr>
-          <a:xfrm>
-            <a:off x="660595" y="4694725"/>
-            <a:ext cx="4865100" cy="357300"/>
-          </a:xfrm>
-          <a:prstGeom prst="rect">
-            <a:avLst/>
-          </a:prstGeom>
-        </p:spPr>
-        <p:txBody>
-          <a:bodyPr spcFirstLastPara="1" wrap="square" lIns="91425" tIns="91425" rIns="91425" bIns="91425" anchor="ctr" anchorCtr="0">
-            <a:noAutofit/>
-          </a:bodyPr>
-          <a:lstStyle/>
-          <a:p>
-            <a:pPr marL="0" lvl="0" indent="0" algn="l" rtl="0">
-              <a:spcBef>
-                <a:spcPts val="0"/>
-              </a:spcBef>
-              <a:spcAft>
-                <a:spcPts val="0"/>
-              </a:spcAft>
-              <a:buNone/>
-            </a:pPr>
-            <a:r>
-              <a:rPr lang="en-GB" sz="1400" dirty="0">
-                <a:solidFill>
-                  <a:schemeClr val="accent3"/>
-                </a:solidFill>
-              </a:rPr>
-              <a:t>JAVA Programming</a:t>
-            </a:r>
-            <a:endParaRPr sz="1400" dirty="0">
-              <a:solidFill>
-                <a:schemeClr val="accent3"/>
-              </a:solidFill>
-            </a:endParaRPr>
-          </a:p>
-        </p:txBody>
-      </p:sp>
-      <p:sp>
-        <p:nvSpPr>
-          <p:cNvPr id="465" name="Google Shape;465;p27"/>
-          <p:cNvSpPr txBox="1">
-            <a:spLocks noGrp="1"/>
-          </p:cNvSpPr>
-          <p:nvPr>
-            <p:ph type="subTitle" idx="1"/>
-          </p:nvPr>
-        </p:nvSpPr>
-        <p:spPr>
-          <a:xfrm>
-            <a:off x="-5975" y="91525"/>
-            <a:ext cx="4572000" cy="357300"/>
-          </a:xfrm>
-          <a:prstGeom prst="rect">
-            <a:avLst/>
-          </a:prstGeom>
-        </p:spPr>
-        <p:txBody>
-          <a:bodyPr spcFirstLastPara="1" wrap="square" lIns="91425" tIns="91425" rIns="91425" bIns="91425" anchor="ctr" anchorCtr="0">
-            <a:noAutofit/>
-          </a:bodyPr>
-          <a:lstStyle/>
-          <a:p>
-            <a:pPr marL="0" lvl="0" indent="0" algn="ctr" rtl="0">
-              <a:spcBef>
-                <a:spcPts val="0"/>
-              </a:spcBef>
-              <a:spcAft>
-                <a:spcPts val="0"/>
-              </a:spcAft>
-              <a:buNone/>
-            </a:pPr>
-            <a:r>
-              <a:rPr lang="en-GB" sz="1400" dirty="0"/>
-              <a:t>Hiveed</a:t>
-            </a:r>
-            <a:r>
-              <a:rPr lang="en-GB" sz="1400" dirty="0">
-                <a:solidFill>
-                  <a:schemeClr val="accent3"/>
-                </a:solidFill>
-              </a:rPr>
-              <a:t>.</a:t>
-            </a:r>
-            <a:r>
-              <a:rPr lang="en-GB" sz="1400" dirty="0"/>
-              <a:t>java</a:t>
-            </a:r>
-            <a:endParaRPr sz="1400" dirty="0">
-              <a:solidFill>
-                <a:schemeClr val="accent3"/>
-              </a:solidFill>
-            </a:endParaRPr>
-          </a:p>
-        </p:txBody>
-      </p:sp>
-      <p:sp>
-        <p:nvSpPr>
-          <p:cNvPr id="9" name="Text Box 8"/>
-          <p:cNvSpPr txBox="1"/>
-          <p:nvPr/>
-        </p:nvSpPr>
-        <p:spPr>
-          <a:xfrm>
-            <a:off x="1160145" y="626745"/>
-            <a:ext cx="7033895" cy="398780"/>
-          </a:xfrm>
-          <a:prstGeom prst="rect">
-            <a:avLst/>
-          </a:prstGeom>
-          <a:noFill/>
-        </p:spPr>
-        <p:txBody>
-          <a:bodyPr wrap="square" rtlCol="0">
-            <a:spAutoFit/>
-          </a:bodyPr>
-          <a:p>
-            <a:r>
-              <a:rPr lang="en-US" sz="2000">
-                <a:solidFill>
-                  <a:srgbClr val="FF0000"/>
-                </a:solidFill>
-                <a:latin typeface="firacode" charset="0"/>
-                <a:cs typeface="firacode" charset="0"/>
-              </a:rPr>
-              <a:t>Example of Method Overriding :</a:t>
-            </a:r>
-            <a:endParaRPr lang="en-US" sz="2000">
-              <a:solidFill>
-                <a:srgbClr val="FF0000"/>
-              </a:solidFill>
-              <a:latin typeface="firacode" charset="0"/>
-              <a:cs typeface="firacode" charset="0"/>
-            </a:endParaRPr>
-          </a:p>
-        </p:txBody>
-      </p:sp>
-      <p:pic>
-        <p:nvPicPr>
-          <p:cNvPr id="2" name="Picture 1" descr="moride-1"/>
-          <p:cNvPicPr>
-            <a:picLocks noChangeAspect="1"/>
-          </p:cNvPicPr>
-          <p:nvPr/>
-        </p:nvPicPr>
-        <p:blipFill>
-          <a:blip r:embed="rId1"/>
-          <a:srcRect l="6226" t="6753" r="6546" b="6988"/>
-          <a:stretch>
-            <a:fillRect/>
-          </a:stretch>
-        </p:blipFill>
-        <p:spPr>
-          <a:xfrm>
-            <a:off x="3550285" y="1113790"/>
-            <a:ext cx="5350510" cy="3311525"/>
-          </a:xfrm>
-          <a:prstGeom prst="rect">
-            <a:avLst/>
-          </a:prstGeom>
-        </p:spPr>
-      </p:pic>
-      <p:pic>
-        <p:nvPicPr>
-          <p:cNvPr id="3" name="Picture 2" descr="moride-2"/>
-          <p:cNvPicPr>
-            <a:picLocks noChangeAspect="1"/>
-          </p:cNvPicPr>
-          <p:nvPr/>
-        </p:nvPicPr>
-        <p:blipFill>
-          <a:blip r:embed="rId2"/>
-          <a:srcRect l="16012" t="19293" r="16433" b="19366"/>
-          <a:stretch>
-            <a:fillRect/>
-          </a:stretch>
-        </p:blipFill>
-        <p:spPr>
-          <a:xfrm>
-            <a:off x="1089025" y="1972945"/>
-            <a:ext cx="2040890" cy="1322705"/>
+            <a:off x="1235075" y="1788795"/>
+            <a:ext cx="2091055" cy="1631950"/>
           </a:xfrm>
           <a:prstGeom prst="rect">
             <a:avLst/>
@@ -11773,33 +10976,302 @@
                       </p:childTnLst>
                     </p:cTn>
                   </p:par>
+                </p:childTnLst>
+              </p:cTn>
+              <p:prevCondLst>
+                <p:cond evt="onPrev" delay="0">
+                  <p:tgtEl>
+                    <p:sldTgt/>
+                  </p:tgtEl>
+                </p:cond>
+              </p:prevCondLst>
+              <p:nextCondLst>
+                <p:cond evt="onNext" delay="0">
+                  <p:tgtEl>
+                    <p:sldTgt/>
+                  </p:tgtEl>
+                </p:cond>
+              </p:nextCondLst>
+            </p:seq>
+          </p:childTnLst>
+        </p:cTn>
+      </p:par>
+    </p:tnLst>
+  </p:timing>
+</p:sld>
+</file>
+
+<file path=ppt/slides/slide11.xml><?xml version="1.0" encoding="utf-8"?>
+<p:sld xmlns:a="http://schemas.openxmlformats.org/drawingml/2006/main" xmlns:r="http://schemas.openxmlformats.org/officeDocument/2006/relationships" xmlns:p="http://schemas.openxmlformats.org/presentationml/2006/main">
+  <p:cSld>
+    <p:spTree>
+      <p:nvGrpSpPr>
+        <p:cNvPr id="1" name="Shape 457"/>
+        <p:cNvGrpSpPr/>
+        <p:nvPr/>
+      </p:nvGrpSpPr>
+      <p:grpSpPr>
+        <a:xfrm>
+          <a:off x="0" y="0"/>
+          <a:ext cx="0" cy="0"/>
+          <a:chOff x="0" y="0"/>
+          <a:chExt cx="0" cy="0"/>
+        </a:xfrm>
+      </p:grpSpPr>
+      <p:sp>
+        <p:nvSpPr>
+          <p:cNvPr id="460" name="Google Shape;460;p27"/>
+          <p:cNvSpPr txBox="1">
+            <a:spLocks noGrp="1"/>
+          </p:cNvSpPr>
+          <p:nvPr>
+            <p:ph type="subTitle" idx="1"/>
+          </p:nvPr>
+        </p:nvSpPr>
+        <p:spPr>
+          <a:xfrm>
+            <a:off x="660595" y="4694725"/>
+            <a:ext cx="4865100" cy="357300"/>
+          </a:xfrm>
+          <a:prstGeom prst="rect">
+            <a:avLst/>
+          </a:prstGeom>
+        </p:spPr>
+        <p:txBody>
+          <a:bodyPr spcFirstLastPara="1" wrap="square" lIns="91425" tIns="91425" rIns="91425" bIns="91425" anchor="ctr" anchorCtr="0">
+            <a:noAutofit/>
+          </a:bodyPr>
+          <a:lstStyle/>
+          <a:p>
+            <a:pPr marL="0" lvl="0" indent="0" algn="l" rtl="0">
+              <a:spcBef>
+                <a:spcPts val="0"/>
+              </a:spcBef>
+              <a:spcAft>
+                <a:spcPts val="0"/>
+              </a:spcAft>
+              <a:buNone/>
+            </a:pPr>
+            <a:r>
+              <a:rPr lang="en-GB" sz="1400" dirty="0">
+                <a:solidFill>
+                  <a:schemeClr val="accent3"/>
+                </a:solidFill>
+              </a:rPr>
+              <a:t>JAVA Programming</a:t>
+            </a:r>
+            <a:endParaRPr sz="1400" dirty="0">
+              <a:solidFill>
+                <a:schemeClr val="accent3"/>
+              </a:solidFill>
+            </a:endParaRPr>
+          </a:p>
+        </p:txBody>
+      </p:sp>
+      <p:sp>
+        <p:nvSpPr>
+          <p:cNvPr id="465" name="Google Shape;465;p27"/>
+          <p:cNvSpPr txBox="1">
+            <a:spLocks noGrp="1"/>
+          </p:cNvSpPr>
+          <p:nvPr>
+            <p:ph type="subTitle" idx="1"/>
+          </p:nvPr>
+        </p:nvSpPr>
+        <p:spPr>
+          <a:xfrm>
+            <a:off x="-5975" y="91525"/>
+            <a:ext cx="4572000" cy="357300"/>
+          </a:xfrm>
+          <a:prstGeom prst="rect">
+            <a:avLst/>
+          </a:prstGeom>
+        </p:spPr>
+        <p:txBody>
+          <a:bodyPr spcFirstLastPara="1" wrap="square" lIns="91425" tIns="91425" rIns="91425" bIns="91425" anchor="ctr" anchorCtr="0">
+            <a:noAutofit/>
+          </a:bodyPr>
+          <a:lstStyle/>
+          <a:p>
+            <a:pPr marL="0" lvl="0" indent="0" algn="ctr" rtl="0">
+              <a:spcBef>
+                <a:spcPts val="0"/>
+              </a:spcBef>
+              <a:spcAft>
+                <a:spcPts val="0"/>
+              </a:spcAft>
+              <a:buNone/>
+            </a:pPr>
+            <a:r>
+              <a:rPr lang="en-GB" sz="1400" dirty="0"/>
+              <a:t>Hiveed</a:t>
+            </a:r>
+            <a:r>
+              <a:rPr lang="en-GB" sz="1400" dirty="0">
+                <a:solidFill>
+                  <a:schemeClr val="accent3"/>
+                </a:solidFill>
+              </a:rPr>
+              <a:t>.</a:t>
+            </a:r>
+            <a:r>
+              <a:rPr lang="en-GB" sz="1400" dirty="0"/>
+              <a:t>java</a:t>
+            </a:r>
+            <a:endParaRPr sz="1400" dirty="0">
+              <a:solidFill>
+                <a:schemeClr val="accent3"/>
+              </a:solidFill>
+            </a:endParaRPr>
+          </a:p>
+        </p:txBody>
+      </p:sp>
+      <p:sp>
+        <p:nvSpPr>
+          <p:cNvPr id="9" name="Text Box 8"/>
+          <p:cNvSpPr txBox="1"/>
+          <p:nvPr/>
+        </p:nvSpPr>
+        <p:spPr>
+          <a:xfrm>
+            <a:off x="1160145" y="626745"/>
+            <a:ext cx="7033895" cy="398780"/>
+          </a:xfrm>
+          <a:prstGeom prst="rect">
+            <a:avLst/>
+          </a:prstGeom>
+          <a:noFill/>
+        </p:spPr>
+        <p:txBody>
+          <a:bodyPr wrap="square" rtlCol="0">
+            <a:spAutoFit/>
+          </a:bodyPr>
+          <a:p>
+            <a:r>
+              <a:rPr lang="en-US" sz="2000">
+                <a:solidFill>
+                  <a:srgbClr val="FF0000"/>
+                </a:solidFill>
+                <a:latin typeface="firacode" charset="0"/>
+                <a:cs typeface="firacode" charset="0"/>
+              </a:rPr>
+              <a:t>Example of Variable Shadowing :</a:t>
+            </a:r>
+            <a:endParaRPr lang="en-US" sz="2000">
+              <a:solidFill>
+                <a:srgbClr val="FF0000"/>
+              </a:solidFill>
+              <a:latin typeface="firacode" charset="0"/>
+              <a:cs typeface="firacode" charset="0"/>
+            </a:endParaRPr>
+          </a:p>
+        </p:txBody>
+      </p:sp>
+      <p:pic>
+        <p:nvPicPr>
+          <p:cNvPr id="2" name="Picture 1"/>
+          <p:cNvPicPr>
+            <a:picLocks noChangeAspect="1"/>
+          </p:cNvPicPr>
+          <p:nvPr>
+            <p:custDataLst>
+              <p:tags r:id="rId1"/>
+            </p:custDataLst>
+          </p:nvPr>
+        </p:nvPicPr>
+        <p:blipFill>
+          <a:blip r:embed="rId2"/>
+          <a:srcRect l="4630" t="8000" r="4156" b="8559"/>
+          <a:stretch>
+            <a:fillRect/>
+          </a:stretch>
+        </p:blipFill>
+        <p:spPr>
+          <a:xfrm>
+            <a:off x="4251960" y="1202690"/>
+            <a:ext cx="4367530" cy="3256280"/>
+          </a:xfrm>
+          <a:prstGeom prst="rect">
+            <a:avLst/>
+          </a:prstGeom>
+        </p:spPr>
+      </p:pic>
+      <p:pic>
+        <p:nvPicPr>
+          <p:cNvPr id="3" name="Picture 2"/>
+          <p:cNvPicPr>
+            <a:picLocks noChangeAspect="1"/>
+          </p:cNvPicPr>
+          <p:nvPr>
+            <p:custDataLst>
+              <p:tags r:id="rId3"/>
+            </p:custDataLst>
+          </p:nvPr>
+        </p:nvPicPr>
+        <p:blipFill>
+          <a:blip r:embed="rId4"/>
+          <a:srcRect l="14557" t="14634" r="14719" b="15049"/>
+          <a:stretch>
+            <a:fillRect/>
+          </a:stretch>
+        </p:blipFill>
+        <p:spPr>
+          <a:xfrm>
+            <a:off x="1468120" y="1811655"/>
+            <a:ext cx="2466340" cy="1958340"/>
+          </a:xfrm>
+          <a:prstGeom prst="rect">
+            <a:avLst/>
+          </a:prstGeom>
+        </p:spPr>
+      </p:pic>
+    </p:spTree>
+  </p:cSld>
+  <p:clrMapOvr>
+    <a:masterClrMapping/>
+  </p:clrMapOvr>
+  <p:timing>
+    <p:tnLst>
+      <p:par>
+        <p:cTn id="1" dur="indefinite" restart="never" nodeType="tmRoot">
+          <p:childTnLst>
+            <p:seq concurrent="1" nextAc="seek">
+              <p:cTn id="2" dur="indefinite" nodeType="mainSeq">
+                <p:childTnLst>
                   <p:par>
-                    <p:cTn id="8" fill="hold">
+                    <p:cTn id="3" fill="hold">
                       <p:stCondLst>
                         <p:cond delay="indefinite"/>
                       </p:stCondLst>
                       <p:childTnLst>
                         <p:par>
-                          <p:cTn id="9" fill="hold">
+                          <p:cTn id="4" fill="hold">
                             <p:stCondLst>
                               <p:cond delay="0"/>
                             </p:stCondLst>
                             <p:childTnLst>
                               <p:par>
-                                <p:cTn id="10" presetID="10" presetClass="entr" presetSubtype="0" fill="hold" nodeType="clickEffect">
+                                <p:cTn id="5" presetID="10" presetClass="entr" presetSubtype="0" fill="hold" nodeType="clickEffect">
                                   <p:stCondLst>
                                     <p:cond delay="0"/>
                                   </p:stCondLst>
+                                  <p:iterate type="lt">
+                                    <p:tmPct val="10000"/>
+                                  </p:iterate>
                                   <p:childTnLst>
                                     <p:set>
                                       <p:cBhvr>
-                                        <p:cTn id="11" dur="1" fill="hold">
+                                        <p:cTn id="6" dur="1" fill="hold">
                                           <p:stCondLst>
                                             <p:cond delay="0"/>
                                           </p:stCondLst>
                                         </p:cTn>
                                         <p:tgtEl>
-                                          <p:spTgt spid="2"/>
+                                          <p:spTgt spid="9">
+                                            <p:txEl>
+                                              <p:pRg st="0" end="0"/>
+                                            </p:txEl>
+                                          </p:spTgt>
                                         </p:tgtEl>
                                         <p:attrNameLst>
                                           <p:attrName>style.visibility</p:attrName>
@@ -11811,9 +11283,13 @@
                                     </p:set>
                                     <p:animEffect transition="in" filter="fade">
                                       <p:cBhvr>
-                                        <p:cTn id="12" dur="500"/>
+                                        <p:cTn id="7" dur="500"/>
                                         <p:tgtEl>
-                                          <p:spTgt spid="2"/>
+                                          <p:spTgt spid="9">
+                                            <p:txEl>
+                                              <p:pRg st="0" end="0"/>
+                                            </p:txEl>
+                                          </p:spTgt>
                                         </p:tgtEl>
                                       </p:cBhvr>
                                     </p:animEffect>
@@ -11826,33 +11302,302 @@
                       </p:childTnLst>
                     </p:cTn>
                   </p:par>
+                </p:childTnLst>
+              </p:cTn>
+              <p:prevCondLst>
+                <p:cond evt="onPrev" delay="0">
+                  <p:tgtEl>
+                    <p:sldTgt/>
+                  </p:tgtEl>
+                </p:cond>
+              </p:prevCondLst>
+              <p:nextCondLst>
+                <p:cond evt="onNext" delay="0">
+                  <p:tgtEl>
+                    <p:sldTgt/>
+                  </p:tgtEl>
+                </p:cond>
+              </p:nextCondLst>
+            </p:seq>
+          </p:childTnLst>
+        </p:cTn>
+      </p:par>
+    </p:tnLst>
+  </p:timing>
+</p:sld>
+</file>
+
+<file path=ppt/slides/slide12.xml><?xml version="1.0" encoding="utf-8"?>
+<p:sld xmlns:a="http://schemas.openxmlformats.org/drawingml/2006/main" xmlns:r="http://schemas.openxmlformats.org/officeDocument/2006/relationships" xmlns:p="http://schemas.openxmlformats.org/presentationml/2006/main">
+  <p:cSld>
+    <p:spTree>
+      <p:nvGrpSpPr>
+        <p:cNvPr id="1" name="Shape 457"/>
+        <p:cNvGrpSpPr/>
+        <p:nvPr/>
+      </p:nvGrpSpPr>
+      <p:grpSpPr>
+        <a:xfrm>
+          <a:off x="0" y="0"/>
+          <a:ext cx="0" cy="0"/>
+          <a:chOff x="0" y="0"/>
+          <a:chExt cx="0" cy="0"/>
+        </a:xfrm>
+      </p:grpSpPr>
+      <p:sp>
+        <p:nvSpPr>
+          <p:cNvPr id="460" name="Google Shape;460;p27"/>
+          <p:cNvSpPr txBox="1">
+            <a:spLocks noGrp="1"/>
+          </p:cNvSpPr>
+          <p:nvPr>
+            <p:ph type="subTitle" idx="1"/>
+          </p:nvPr>
+        </p:nvSpPr>
+        <p:spPr>
+          <a:xfrm>
+            <a:off x="660595" y="4694725"/>
+            <a:ext cx="4865100" cy="357300"/>
+          </a:xfrm>
+          <a:prstGeom prst="rect">
+            <a:avLst/>
+          </a:prstGeom>
+        </p:spPr>
+        <p:txBody>
+          <a:bodyPr spcFirstLastPara="1" wrap="square" lIns="91425" tIns="91425" rIns="91425" bIns="91425" anchor="ctr" anchorCtr="0">
+            <a:noAutofit/>
+          </a:bodyPr>
+          <a:lstStyle/>
+          <a:p>
+            <a:pPr marL="0" lvl="0" indent="0" algn="l" rtl="0">
+              <a:spcBef>
+                <a:spcPts val="0"/>
+              </a:spcBef>
+              <a:spcAft>
+                <a:spcPts val="0"/>
+              </a:spcAft>
+              <a:buNone/>
+            </a:pPr>
+            <a:r>
+              <a:rPr lang="en-GB" sz="1400" dirty="0">
+                <a:solidFill>
+                  <a:schemeClr val="accent3"/>
+                </a:solidFill>
+              </a:rPr>
+              <a:t>JAVA Programming</a:t>
+            </a:r>
+            <a:endParaRPr sz="1400" dirty="0">
+              <a:solidFill>
+                <a:schemeClr val="accent3"/>
+              </a:solidFill>
+            </a:endParaRPr>
+          </a:p>
+        </p:txBody>
+      </p:sp>
+      <p:sp>
+        <p:nvSpPr>
+          <p:cNvPr id="465" name="Google Shape;465;p27"/>
+          <p:cNvSpPr txBox="1">
+            <a:spLocks noGrp="1"/>
+          </p:cNvSpPr>
+          <p:nvPr>
+            <p:ph type="subTitle" idx="1"/>
+          </p:nvPr>
+        </p:nvSpPr>
+        <p:spPr>
+          <a:xfrm>
+            <a:off x="-5975" y="91525"/>
+            <a:ext cx="4572000" cy="357300"/>
+          </a:xfrm>
+          <a:prstGeom prst="rect">
+            <a:avLst/>
+          </a:prstGeom>
+        </p:spPr>
+        <p:txBody>
+          <a:bodyPr spcFirstLastPara="1" wrap="square" lIns="91425" tIns="91425" rIns="91425" bIns="91425" anchor="ctr" anchorCtr="0">
+            <a:noAutofit/>
+          </a:bodyPr>
+          <a:lstStyle/>
+          <a:p>
+            <a:pPr marL="0" lvl="0" indent="0" algn="ctr" rtl="0">
+              <a:spcBef>
+                <a:spcPts val="0"/>
+              </a:spcBef>
+              <a:spcAft>
+                <a:spcPts val="0"/>
+              </a:spcAft>
+              <a:buNone/>
+            </a:pPr>
+            <a:r>
+              <a:rPr lang="en-GB" sz="1400" dirty="0"/>
+              <a:t>Hiveed</a:t>
+            </a:r>
+            <a:r>
+              <a:rPr lang="en-GB" sz="1400" dirty="0">
+                <a:solidFill>
+                  <a:schemeClr val="accent3"/>
+                </a:solidFill>
+              </a:rPr>
+              <a:t>.</a:t>
+            </a:r>
+            <a:r>
+              <a:rPr lang="en-GB" sz="1400" dirty="0"/>
+              <a:t>java</a:t>
+            </a:r>
+            <a:endParaRPr sz="1400" dirty="0">
+              <a:solidFill>
+                <a:schemeClr val="accent3"/>
+              </a:solidFill>
+            </a:endParaRPr>
+          </a:p>
+        </p:txBody>
+      </p:sp>
+      <p:sp>
+        <p:nvSpPr>
+          <p:cNvPr id="9" name="Text Box 8"/>
+          <p:cNvSpPr txBox="1"/>
+          <p:nvPr/>
+        </p:nvSpPr>
+        <p:spPr>
+          <a:xfrm>
+            <a:off x="1160145" y="626745"/>
+            <a:ext cx="7033895" cy="398780"/>
+          </a:xfrm>
+          <a:prstGeom prst="rect">
+            <a:avLst/>
+          </a:prstGeom>
+          <a:noFill/>
+        </p:spPr>
+        <p:txBody>
+          <a:bodyPr wrap="square" rtlCol="0">
+            <a:spAutoFit/>
+          </a:bodyPr>
+          <a:p>
+            <a:r>
+              <a:rPr lang="en-US" sz="2000">
+                <a:solidFill>
+                  <a:srgbClr val="FF0000"/>
+                </a:solidFill>
+                <a:latin typeface="firacode" charset="0"/>
+                <a:cs typeface="firacode" charset="0"/>
+              </a:rPr>
+              <a:t>Example of Method Overriding :</a:t>
+            </a:r>
+            <a:endParaRPr lang="en-US" sz="2000">
+              <a:solidFill>
+                <a:srgbClr val="FF0000"/>
+              </a:solidFill>
+              <a:latin typeface="firacode" charset="0"/>
+              <a:cs typeface="firacode" charset="0"/>
+            </a:endParaRPr>
+          </a:p>
+        </p:txBody>
+      </p:sp>
+      <p:pic>
+        <p:nvPicPr>
+          <p:cNvPr id="5" name="Picture 4"/>
+          <p:cNvPicPr>
+            <a:picLocks noChangeAspect="1"/>
+          </p:cNvPicPr>
+          <p:nvPr>
+            <p:custDataLst>
+              <p:tags r:id="rId1"/>
+            </p:custDataLst>
+          </p:nvPr>
+        </p:nvPicPr>
+        <p:blipFill>
+          <a:blip r:embed="rId2"/>
+          <a:srcRect l="4287" t="5652" r="4199" b="5088"/>
+          <a:stretch>
+            <a:fillRect/>
+          </a:stretch>
+        </p:blipFill>
+        <p:spPr>
+          <a:xfrm>
+            <a:off x="3874770" y="1113790"/>
+            <a:ext cx="4822825" cy="3157855"/>
+          </a:xfrm>
+          <a:prstGeom prst="rect">
+            <a:avLst/>
+          </a:prstGeom>
+        </p:spPr>
+      </p:pic>
+      <p:pic>
+        <p:nvPicPr>
+          <p:cNvPr id="6" name="Picture 5"/>
+          <p:cNvPicPr>
+            <a:picLocks noChangeAspect="1"/>
+          </p:cNvPicPr>
+          <p:nvPr>
+            <p:custDataLst>
+              <p:tags r:id="rId3"/>
+            </p:custDataLst>
+          </p:nvPr>
+        </p:nvPicPr>
+        <p:blipFill>
+          <a:blip r:embed="rId4"/>
+          <a:srcRect l="9868" t="15947" r="10421" b="15119"/>
+          <a:stretch>
+            <a:fillRect/>
+          </a:stretch>
+        </p:blipFill>
+        <p:spPr>
+          <a:xfrm>
+            <a:off x="1122045" y="1822450"/>
+            <a:ext cx="2461895" cy="1684020"/>
+          </a:xfrm>
+          <a:prstGeom prst="rect">
+            <a:avLst/>
+          </a:prstGeom>
+        </p:spPr>
+      </p:pic>
+    </p:spTree>
+  </p:cSld>
+  <p:clrMapOvr>
+    <a:masterClrMapping/>
+  </p:clrMapOvr>
+  <p:timing>
+    <p:tnLst>
+      <p:par>
+        <p:cTn id="1" dur="indefinite" restart="never" nodeType="tmRoot">
+          <p:childTnLst>
+            <p:seq concurrent="1" nextAc="seek">
+              <p:cTn id="2" dur="indefinite" nodeType="mainSeq">
+                <p:childTnLst>
                   <p:par>
-                    <p:cTn id="13" fill="hold">
+                    <p:cTn id="3" fill="hold">
                       <p:stCondLst>
                         <p:cond delay="indefinite"/>
                       </p:stCondLst>
                       <p:childTnLst>
                         <p:par>
-                          <p:cTn id="14" fill="hold">
+                          <p:cTn id="4" fill="hold">
                             <p:stCondLst>
                               <p:cond delay="0"/>
                             </p:stCondLst>
                             <p:childTnLst>
                               <p:par>
-                                <p:cTn id="15" presetID="10" presetClass="entr" presetSubtype="0" fill="hold" nodeType="clickEffect">
+                                <p:cTn id="5" presetID="10" presetClass="entr" presetSubtype="0" fill="hold" nodeType="clickEffect">
                                   <p:stCondLst>
                                     <p:cond delay="0"/>
                                   </p:stCondLst>
+                                  <p:iterate type="lt">
+                                    <p:tmPct val="10000"/>
+                                  </p:iterate>
                                   <p:childTnLst>
                                     <p:set>
                                       <p:cBhvr>
-                                        <p:cTn id="16" dur="1" fill="hold">
+                                        <p:cTn id="6" dur="1" fill="hold">
                                           <p:stCondLst>
                                             <p:cond delay="0"/>
                                           </p:stCondLst>
                                         </p:cTn>
                                         <p:tgtEl>
-                                          <p:spTgt spid="3"/>
+                                          <p:spTgt spid="9">
+                                            <p:txEl>
+                                              <p:pRg st="0" end="0"/>
+                                            </p:txEl>
+                                          </p:spTgt>
                                         </p:tgtEl>
                                         <p:attrNameLst>
                                           <p:attrName>style.visibility</p:attrName>
@@ -11864,9 +11609,13 @@
                                     </p:set>
                                     <p:animEffect transition="in" filter="fade">
                                       <p:cBhvr>
-                                        <p:cTn id="17" dur="500"/>
+                                        <p:cTn id="7" dur="500"/>
                                         <p:tgtEl>
-                                          <p:spTgt spid="3"/>
+                                          <p:spTgt spid="9">
+                                            <p:txEl>
+                                              <p:pRg st="0" end="0"/>
+                                            </p:txEl>
+                                          </p:spTgt>
                                         </p:tgtEl>
                                       </p:cBhvr>
                                     </p:animEffect>
@@ -16547,23 +16296,27 @@
       </p:sp>
       <p:pic>
         <p:nvPicPr>
-          <p:cNvPr id="2" name="Picture 1" descr="mo-1"/>
+          <p:cNvPr id="5" name="Picture 4"/>
           <p:cNvPicPr>
             <a:picLocks noChangeAspect="1"/>
           </p:cNvPicPr>
-          <p:nvPr/>
+          <p:nvPr>
+            <p:custDataLst>
+              <p:tags r:id="rId1"/>
+            </p:custDataLst>
+          </p:nvPr>
         </p:nvPicPr>
         <p:blipFill>
-          <a:blip r:embed="rId1"/>
-          <a:srcRect l="6110" t="8728" r="5971" b="8765"/>
+          <a:blip r:embed="rId2"/>
+          <a:srcRect l="4743" t="7482" r="4579" b="7230"/>
           <a:stretch>
             <a:fillRect/>
           </a:stretch>
         </p:blipFill>
         <p:spPr>
           <a:xfrm>
-            <a:off x="4613275" y="1024890"/>
-            <a:ext cx="4174490" cy="3504565"/>
+            <a:off x="4682490" y="1121410"/>
+            <a:ext cx="4197350" cy="3266440"/>
           </a:xfrm>
           <a:prstGeom prst="rect">
             <a:avLst/>
@@ -16572,23 +16325,27 @@
       </p:pic>
       <p:pic>
         <p:nvPicPr>
-          <p:cNvPr id="3" name="Picture 2" descr="mo-2"/>
+          <p:cNvPr id="6" name="Picture 5"/>
           <p:cNvPicPr>
             <a:picLocks noChangeAspect="1"/>
           </p:cNvPicPr>
-          <p:nvPr/>
+          <p:nvPr>
+            <p:custDataLst>
+              <p:tags r:id="rId3"/>
+            </p:custDataLst>
+          </p:nvPr>
         </p:nvPicPr>
         <p:blipFill>
-          <a:blip r:embed="rId2"/>
-          <a:srcRect l="9666" t="19293" r="9807" b="19475"/>
+          <a:blip r:embed="rId4"/>
+          <a:srcRect l="7813" t="16082" r="7427" b="16607"/>
           <a:stretch>
             <a:fillRect/>
           </a:stretch>
         </p:blipFill>
         <p:spPr>
           <a:xfrm>
-            <a:off x="1066800" y="1852930"/>
-            <a:ext cx="3295650" cy="2146300"/>
+            <a:off x="1344295" y="1981200"/>
+            <a:ext cx="2788920" cy="1950720"/>
           </a:xfrm>
           <a:prstGeom prst="rect">
             <a:avLst/>
@@ -16672,112 +16429,6 @@
                       </p:childTnLst>
                     </p:cTn>
                   </p:par>
-                  <p:par>
-                    <p:cTn id="8" fill="hold">
-                      <p:stCondLst>
-                        <p:cond delay="indefinite"/>
-                      </p:stCondLst>
-                      <p:childTnLst>
-                        <p:par>
-                          <p:cTn id="9" fill="hold">
-                            <p:stCondLst>
-                              <p:cond delay="0"/>
-                            </p:stCondLst>
-                            <p:childTnLst>
-                              <p:par>
-                                <p:cTn id="10" presetID="10" presetClass="entr" presetSubtype="0" fill="hold" nodeType="clickEffect">
-                                  <p:stCondLst>
-                                    <p:cond delay="0"/>
-                                  </p:stCondLst>
-                                  <p:childTnLst>
-                                    <p:set>
-                                      <p:cBhvr>
-                                        <p:cTn id="11" dur="1" fill="hold">
-                                          <p:stCondLst>
-                                            <p:cond delay="0"/>
-                                          </p:stCondLst>
-                                        </p:cTn>
-                                        <p:tgtEl>
-                                          <p:spTgt spid="2"/>
-                                        </p:tgtEl>
-                                        <p:attrNameLst>
-                                          <p:attrName>style.visibility</p:attrName>
-                                        </p:attrNameLst>
-                                      </p:cBhvr>
-                                      <p:to>
-                                        <p:strVal val="visible"/>
-                                      </p:to>
-                                    </p:set>
-                                    <p:animEffect transition="in" filter="fade">
-                                      <p:cBhvr>
-                                        <p:cTn id="12" dur="500"/>
-                                        <p:tgtEl>
-                                          <p:spTgt spid="2"/>
-                                        </p:tgtEl>
-                                      </p:cBhvr>
-                                    </p:animEffect>
-                                  </p:childTnLst>
-                                </p:cTn>
-                              </p:par>
-                            </p:childTnLst>
-                          </p:cTn>
-                        </p:par>
-                      </p:childTnLst>
-                    </p:cTn>
-                  </p:par>
-                  <p:par>
-                    <p:cTn id="13" fill="hold">
-                      <p:stCondLst>
-                        <p:cond delay="indefinite"/>
-                      </p:stCondLst>
-                      <p:childTnLst>
-                        <p:par>
-                          <p:cTn id="14" fill="hold">
-                            <p:stCondLst>
-                              <p:cond delay="0"/>
-                            </p:stCondLst>
-                            <p:childTnLst>
-                              <p:par>
-                                <p:cTn id="15" presetID="10" presetClass="entr" presetSubtype="0" fill="hold" nodeType="clickEffect">
-                                  <p:stCondLst>
-                                    <p:cond delay="0"/>
-                                  </p:stCondLst>
-                                  <p:childTnLst>
-                                    <p:set>
-                                      <p:cBhvr>
-                                        <p:cTn id="16" dur="1" fill="hold">
-                                          <p:stCondLst>
-                                            <p:cond delay="0"/>
-                                          </p:stCondLst>
-                                        </p:cTn>
-                                        <p:tgtEl>
-                                          <p:spTgt spid="3"/>
-                                        </p:tgtEl>
-                                        <p:attrNameLst>
-                                          <p:attrName>style.visibility</p:attrName>
-                                        </p:attrNameLst>
-                                      </p:cBhvr>
-                                      <p:to>
-                                        <p:strVal val="visible"/>
-                                      </p:to>
-                                    </p:set>
-                                    <p:animEffect transition="in" filter="fade">
-                                      <p:cBhvr>
-                                        <p:cTn id="17" dur="500"/>
-                                        <p:tgtEl>
-                                          <p:spTgt spid="3"/>
-                                        </p:tgtEl>
-                                      </p:cBhvr>
-                                    </p:animEffect>
-                                  </p:childTnLst>
-                                </p:cTn>
-                              </p:par>
-                            </p:childTnLst>
-                          </p:cTn>
-                        </p:par>
-                      </p:childTnLst>
-                    </p:cTn>
-                  </p:par>
                 </p:childTnLst>
               </p:cTn>
               <p:prevCondLst>
@@ -16971,23 +16622,27 @@
       </p:sp>
       <p:pic>
         <p:nvPicPr>
-          <p:cNvPr id="4" name="Picture 3" descr="co-1"/>
+          <p:cNvPr id="2" name="Picture 1"/>
           <p:cNvPicPr>
             <a:picLocks noChangeAspect="1"/>
           </p:cNvPicPr>
-          <p:nvPr/>
+          <p:nvPr>
+            <p:custDataLst>
+              <p:tags r:id="rId1"/>
+            </p:custDataLst>
+          </p:nvPr>
         </p:nvPicPr>
         <p:blipFill>
-          <a:blip r:embed="rId1"/>
-          <a:srcRect l="5502" t="8728" r="5523" b="8827"/>
+          <a:blip r:embed="rId2"/>
+          <a:srcRect l="4037" t="6999" r="4377" b="7691"/>
           <a:stretch>
             <a:fillRect/>
           </a:stretch>
         </p:blipFill>
         <p:spPr>
           <a:xfrm>
-            <a:off x="4471670" y="1273175"/>
-            <a:ext cx="4430395" cy="3305810"/>
+            <a:off x="4566920" y="1322705"/>
+            <a:ext cx="4278630" cy="2894965"/>
           </a:xfrm>
           <a:prstGeom prst="rect">
             <a:avLst/>
@@ -16996,23 +16651,27 @@
       </p:pic>
       <p:pic>
         <p:nvPicPr>
-          <p:cNvPr id="5" name="Picture 4" descr="co-2"/>
+          <p:cNvPr id="3" name="Picture 2"/>
           <p:cNvPicPr>
             <a:picLocks noChangeAspect="1"/>
           </p:cNvPicPr>
-          <p:nvPr/>
+          <p:nvPr>
+            <p:custDataLst>
+              <p:tags r:id="rId3"/>
+            </p:custDataLst>
+          </p:nvPr>
         </p:nvPicPr>
         <p:blipFill>
-          <a:blip r:embed="rId2"/>
-          <a:srcRect l="8585" t="19511" r="8801" b="18225"/>
+          <a:blip r:embed="rId4"/>
+          <a:srcRect l="5901" t="15195" r="5998" b="14532"/>
           <a:stretch>
             <a:fillRect/>
           </a:stretch>
         </p:blipFill>
         <p:spPr>
           <a:xfrm>
-            <a:off x="1068070" y="1496060"/>
-            <a:ext cx="3283585" cy="2182495"/>
+            <a:off x="1303020" y="1843405"/>
+            <a:ext cx="3090545" cy="1682750"/>
           </a:xfrm>
           <a:prstGeom prst="rect">
             <a:avLst/>
@@ -17093,103 +16752,6 @@
                             </p:childTnLst>
                           </p:cTn>
                         </p:par>
-                        <p:par>
-                          <p:cTn id="8" fill="hold">
-                            <p:stCondLst>
-                              <p:cond delay="2250"/>
-                            </p:stCondLst>
-                            <p:childTnLst>
-                              <p:par>
-                                <p:cTn id="9" presetID="10" presetClass="entr" presetSubtype="0" fill="hold" nodeType="afterEffect">
-                                  <p:stCondLst>
-                                    <p:cond delay="0"/>
-                                  </p:stCondLst>
-                                  <p:childTnLst>
-                                    <p:set>
-                                      <p:cBhvr>
-                                        <p:cTn id="10" dur="1" fill="hold">
-                                          <p:stCondLst>
-                                            <p:cond delay="0"/>
-                                          </p:stCondLst>
-                                        </p:cTn>
-                                        <p:tgtEl>
-                                          <p:spTgt spid="4"/>
-                                        </p:tgtEl>
-                                        <p:attrNameLst>
-                                          <p:attrName>style.visibility</p:attrName>
-                                        </p:attrNameLst>
-                                      </p:cBhvr>
-                                      <p:to>
-                                        <p:strVal val="visible"/>
-                                      </p:to>
-                                    </p:set>
-                                    <p:animEffect transition="in" filter="fade">
-                                      <p:cBhvr>
-                                        <p:cTn id="11" dur="500"/>
-                                        <p:tgtEl>
-                                          <p:spTgt spid="4"/>
-                                        </p:tgtEl>
-                                      </p:cBhvr>
-                                    </p:animEffect>
-                                  </p:childTnLst>
-                                </p:cTn>
-                              </p:par>
-                            </p:childTnLst>
-                          </p:cTn>
-                        </p:par>
-                      </p:childTnLst>
-                    </p:cTn>
-                  </p:par>
-                  <p:par>
-                    <p:cTn id="12" fill="hold">
-                      <p:stCondLst>
-                        <p:cond delay="indefinite"/>
-                      </p:stCondLst>
-                      <p:childTnLst>
-                        <p:par>
-                          <p:cTn id="13" fill="hold">
-                            <p:stCondLst>
-                              <p:cond delay="0"/>
-                            </p:stCondLst>
-                            <p:childTnLst>
-                              <p:par>
-                                <p:cTn id="14" presetID="10" presetClass="entr" presetSubtype="0" fill="hold" nodeType="clickEffect">
-                                  <p:stCondLst>
-                                    <p:cond delay="0"/>
-                                  </p:stCondLst>
-                                  <p:childTnLst>
-                                    <p:set>
-                                      <p:cBhvr>
-                                        <p:cTn id="15" dur="1" fill="hold">
-                                          <p:stCondLst>
-                                            <p:cond delay="0"/>
-                                          </p:stCondLst>
-                                        </p:cTn>
-                                        <p:tgtEl>
-                                          <p:spTgt spid="5"/>
-                                        </p:tgtEl>
-                                        <p:attrNameLst>
-                                          <p:attrName>style.visibility</p:attrName>
-                                        </p:attrNameLst>
-                                      </p:cBhvr>
-                                      <p:to>
-                                        <p:strVal val="visible"/>
-                                      </p:to>
-                                    </p:set>
-                                    <p:animEffect transition="in" filter="fade">
-                                      <p:cBhvr>
-                                        <p:cTn id="16" dur="500"/>
-                                        <p:tgtEl>
-                                          <p:spTgt spid="5"/>
-                                        </p:tgtEl>
-                                      </p:cBhvr>
-                                    </p:animEffect>
-                                  </p:childTnLst>
-                                </p:cTn>
-                              </p:par>
-                            </p:childTnLst>
-                          </p:cTn>
-                        </p:par>
                       </p:childTnLst>
                     </p:cTn>
                   </p:par>
@@ -17216,6 +16778,66 @@
     </p:tnLst>
   </p:timing>
 </p:sld>
+</file>
+
+<file path=ppt/tags/tag1.xml><?xml version="1.0" encoding="utf-8"?>
+<p:tagLst xmlns:p="http://schemas.openxmlformats.org/presentationml/2006/main">
+  <p:tag name="KSO_WM_BEAUTIFY_FLAG" val=""/>
+</p:tagLst>
+</file>
+
+<file path=ppt/tags/tag10.xml><?xml version="1.0" encoding="utf-8"?>
+<p:tagLst xmlns:p="http://schemas.openxmlformats.org/presentationml/2006/main">
+  <p:tag name="KSO_WM_BEAUTIFY_FLAG" val=""/>
+</p:tagLst>
+</file>
+
+<file path=ppt/tags/tag2.xml><?xml version="1.0" encoding="utf-8"?>
+<p:tagLst xmlns:p="http://schemas.openxmlformats.org/presentationml/2006/main">
+  <p:tag name="KSO_WM_BEAUTIFY_FLAG" val=""/>
+</p:tagLst>
+</file>
+
+<file path=ppt/tags/tag3.xml><?xml version="1.0" encoding="utf-8"?>
+<p:tagLst xmlns:p="http://schemas.openxmlformats.org/presentationml/2006/main">
+  <p:tag name="KSO_WM_BEAUTIFY_FLAG" val=""/>
+</p:tagLst>
+</file>
+
+<file path=ppt/tags/tag4.xml><?xml version="1.0" encoding="utf-8"?>
+<p:tagLst xmlns:p="http://schemas.openxmlformats.org/presentationml/2006/main">
+  <p:tag name="KSO_WM_BEAUTIFY_FLAG" val=""/>
+</p:tagLst>
+</file>
+
+<file path=ppt/tags/tag5.xml><?xml version="1.0" encoding="utf-8"?>
+<p:tagLst xmlns:p="http://schemas.openxmlformats.org/presentationml/2006/main">
+  <p:tag name="KSO_WM_BEAUTIFY_FLAG" val=""/>
+</p:tagLst>
+</file>
+
+<file path=ppt/tags/tag6.xml><?xml version="1.0" encoding="utf-8"?>
+<p:tagLst xmlns:p="http://schemas.openxmlformats.org/presentationml/2006/main">
+  <p:tag name="KSO_WM_BEAUTIFY_FLAG" val=""/>
+</p:tagLst>
+</file>
+
+<file path=ppt/tags/tag7.xml><?xml version="1.0" encoding="utf-8"?>
+<p:tagLst xmlns:p="http://schemas.openxmlformats.org/presentationml/2006/main">
+  <p:tag name="KSO_WM_BEAUTIFY_FLAG" val=""/>
+</p:tagLst>
+</file>
+
+<file path=ppt/tags/tag8.xml><?xml version="1.0" encoding="utf-8"?>
+<p:tagLst xmlns:p="http://schemas.openxmlformats.org/presentationml/2006/main">
+  <p:tag name="KSO_WM_BEAUTIFY_FLAG" val=""/>
+</p:tagLst>
+</file>
+
+<file path=ppt/tags/tag9.xml><?xml version="1.0" encoding="utf-8"?>
+<p:tagLst xmlns:p="http://schemas.openxmlformats.org/presentationml/2006/main">
+  <p:tag name="KSO_WM_BEAUTIFY_FLAG" val=""/>
+</p:tagLst>
 </file>
 
 <file path=ppt/theme/theme1.xml><?xml version="1.0" encoding="utf-8"?>
